--- a/AndroidDevelopment-L3.pptx
+++ b/AndroidDevelopment-L3.pptx
@@ -14,7 +14,8 @@
     <p:sldId id="262" r:id="rId8"/>
     <p:sldId id="263" r:id="rId9"/>
     <p:sldId id="264" r:id="rId10"/>
-    <p:sldId id="265" r:id="rId11"/>
+    <p:sldId id="266" r:id="rId11"/>
+    <p:sldId id="265" r:id="rId12"/>
   </p:sldIdLst>
   <p:sldSz cx="12192000" cy="6858000"/>
   <p:notesSz cx="6858000" cy="9144000"/>
@@ -5890,6 +5891,231 @@
           <a:p>
             <a:r>
               <a:rPr lang="en-US" dirty="0" smtClean="0"/>
+              <a:t>Intents: Receiving Info From An Intent</a:t>
+            </a:r>
+            <a:endParaRPr lang="en-US" dirty="0"/>
+          </a:p>
+        </p:txBody>
+      </p:sp>
+      <p:sp>
+        <p:nvSpPr>
+          <p:cNvPr id="3" name="Content Placeholder 2"/>
+          <p:cNvSpPr>
+            <a:spLocks noGrp="1"/>
+          </p:cNvSpPr>
+          <p:nvPr>
+            <p:ph idx="1"/>
+          </p:nvPr>
+        </p:nvSpPr>
+        <p:spPr/>
+        <p:txBody>
+          <a:bodyPr/>
+          <a:lstStyle/>
+          <a:p>
+            <a:r>
+              <a:rPr lang="en-US" dirty="0" smtClean="0"/>
+              <a:t>If the intent you used carries any extra information, that information needs to be received by the other activity. </a:t>
+            </a:r>
+          </a:p>
+          <a:p>
+            <a:r>
+              <a:rPr lang="en-US" dirty="0" smtClean="0"/>
+              <a:t>This is done as follows:</a:t>
+            </a:r>
+            <a:endParaRPr lang="en-US" dirty="0"/>
+          </a:p>
+        </p:txBody>
+      </p:sp>
+      <p:pic>
+        <p:nvPicPr>
+          <p:cNvPr id="4" name="Picture 3"/>
+          <p:cNvPicPr>
+            <a:picLocks noChangeAspect="1"/>
+          </p:cNvPicPr>
+          <p:nvPr/>
+        </p:nvPicPr>
+        <p:blipFill>
+          <a:blip r:embed="rId2"/>
+          <a:stretch>
+            <a:fillRect/>
+          </a:stretch>
+        </p:blipFill>
+        <p:spPr>
+          <a:xfrm>
+            <a:off x="677334" y="3458480"/>
+            <a:ext cx="3297453" cy="450934"/>
+          </a:xfrm>
+          <a:prstGeom prst="rect">
+            <a:avLst/>
+          </a:prstGeom>
+        </p:spPr>
+      </p:pic>
+      <p:sp>
+        <p:nvSpPr>
+          <p:cNvPr id="5" name="TextBox 4"/>
+          <p:cNvSpPr txBox="1"/>
+          <p:nvPr/>
+        </p:nvSpPr>
+        <p:spPr>
+          <a:xfrm>
+            <a:off x="3974787" y="3540082"/>
+            <a:ext cx="4208140" cy="369332"/>
+          </a:xfrm>
+          <a:prstGeom prst="rect">
+            <a:avLst/>
+          </a:prstGeom>
+          <a:noFill/>
+        </p:spPr>
+        <p:txBody>
+          <a:bodyPr wrap="none" rtlCol="0">
+            <a:spAutoFit/>
+          </a:bodyPr>
+          <a:lstStyle/>
+          <a:p>
+            <a:r>
+              <a:rPr lang="en-US" dirty="0" smtClean="0"/>
+              <a:t>The </a:t>
+            </a:r>
+            <a:r>
+              <a:rPr lang="en-US" dirty="0" err="1" smtClean="0"/>
+              <a:t>nextActivity’s</a:t>
+            </a:r>
+            <a:r>
+              <a:rPr lang="en-US" dirty="0" smtClean="0"/>
+              <a:t> </a:t>
+            </a:r>
+            <a:r>
+              <a:rPr lang="en-US" dirty="0" err="1" smtClean="0"/>
+              <a:t>TextView</a:t>
+            </a:r>
+            <a:r>
+              <a:rPr lang="en-US" dirty="0" smtClean="0"/>
+              <a:t> in the XML</a:t>
+            </a:r>
+            <a:endParaRPr lang="en-US" dirty="0"/>
+          </a:p>
+        </p:txBody>
+      </p:sp>
+      <p:pic>
+        <p:nvPicPr>
+          <p:cNvPr id="6" name="Picture 5"/>
+          <p:cNvPicPr>
+            <a:picLocks noChangeAspect="1"/>
+          </p:cNvPicPr>
+          <p:nvPr/>
+        </p:nvPicPr>
+        <p:blipFill>
+          <a:blip r:embed="rId3"/>
+          <a:stretch>
+            <a:fillRect/>
+          </a:stretch>
+        </p:blipFill>
+        <p:spPr>
+          <a:xfrm>
+            <a:off x="710316" y="4139603"/>
+            <a:ext cx="6021895" cy="1763876"/>
+          </a:xfrm>
+          <a:prstGeom prst="rect">
+            <a:avLst/>
+          </a:prstGeom>
+        </p:spPr>
+      </p:pic>
+      <p:sp>
+        <p:nvSpPr>
+          <p:cNvPr id="9" name="TextBox 8"/>
+          <p:cNvSpPr txBox="1"/>
+          <p:nvPr/>
+        </p:nvSpPr>
+        <p:spPr>
+          <a:xfrm>
+            <a:off x="4013227" y="5902219"/>
+            <a:ext cx="4131259" cy="369332"/>
+          </a:xfrm>
+          <a:prstGeom prst="rect">
+            <a:avLst/>
+          </a:prstGeom>
+          <a:noFill/>
+        </p:spPr>
+        <p:txBody>
+          <a:bodyPr wrap="none" rtlCol="0">
+            <a:spAutoFit/>
+          </a:bodyPr>
+          <a:lstStyle/>
+          <a:p>
+            <a:r>
+              <a:rPr lang="en-US" dirty="0" smtClean="0"/>
+              <a:t>The </a:t>
+            </a:r>
+            <a:r>
+              <a:rPr lang="en-US" dirty="0" err="1" smtClean="0"/>
+              <a:t>onCreate</a:t>
+            </a:r>
+            <a:r>
+              <a:rPr lang="en-US" dirty="0" smtClean="0"/>
+              <a:t> method for </a:t>
+            </a:r>
+            <a:r>
+              <a:rPr lang="en-US" dirty="0" err="1" smtClean="0"/>
+              <a:t>nextActivity</a:t>
+            </a:r>
+            <a:endParaRPr lang="en-US" dirty="0"/>
+          </a:p>
+        </p:txBody>
+      </p:sp>
+    </p:spTree>
+    <p:extLst>
+      <p:ext uri="{BB962C8B-B14F-4D97-AF65-F5344CB8AC3E}">
+        <p14:creationId xmlns:p14="http://schemas.microsoft.com/office/powerpoint/2010/main" val="1310396755"/>
+      </p:ext>
+    </p:extLst>
+  </p:cSld>
+  <p:clrMapOvr>
+    <a:masterClrMapping/>
+  </p:clrMapOvr>
+  <p:timing>
+    <p:tnLst>
+      <p:par>
+        <p:cTn id="1" dur="indefinite" restart="never" nodeType="tmRoot"/>
+      </p:par>
+    </p:tnLst>
+  </p:timing>
+</p:sld>
+</file>
+
+<file path=ppt/slides/slide11.xml><?xml version="1.0" encoding="utf-8"?>
+<p:sld xmlns:a="http://schemas.openxmlformats.org/drawingml/2006/main" xmlns:r="http://schemas.openxmlformats.org/officeDocument/2006/relationships" xmlns:p="http://schemas.openxmlformats.org/presentationml/2006/main">
+  <p:cSld>
+    <p:spTree>
+      <p:nvGrpSpPr>
+        <p:cNvPr id="1" name=""/>
+        <p:cNvGrpSpPr/>
+        <p:nvPr/>
+      </p:nvGrpSpPr>
+      <p:grpSpPr>
+        <a:xfrm>
+          <a:off x="0" y="0"/>
+          <a:ext cx="0" cy="0"/>
+          <a:chOff x="0" y="0"/>
+          <a:chExt cx="0" cy="0"/>
+        </a:xfrm>
+      </p:grpSpPr>
+      <p:sp>
+        <p:nvSpPr>
+          <p:cNvPr id="2" name="Title 1"/>
+          <p:cNvSpPr>
+            <a:spLocks noGrp="1"/>
+          </p:cNvSpPr>
+          <p:nvPr>
+            <p:ph type="title"/>
+          </p:nvPr>
+        </p:nvSpPr>
+        <p:spPr/>
+        <p:txBody>
+          <a:bodyPr/>
+          <a:lstStyle/>
+          <a:p>
+            <a:r>
+              <a:rPr lang="en-US" dirty="0" smtClean="0"/>
               <a:t>Exercise:</a:t>
             </a:r>
             <a:endParaRPr lang="en-US" dirty="0"/>
@@ -6759,11 +6985,7 @@
             </a:r>
             <a:r>
               <a:rPr lang="en-US" dirty="0" smtClean="0"/>
-              <a:t>follows</a:t>
-            </a:r>
-            <a:r>
-              <a:rPr lang="en-US" dirty="0" smtClean="0"/>
-              <a:t>:</a:t>
+              <a:t>follows:</a:t>
             </a:r>
           </a:p>
           <a:p>
